--- a/problems/attached/categories/PPT.pptx
+++ b/problems/attached/categories/PPT.pptx
@@ -106,6 +106,11 @@
       </a:defRPr>
     </a:lvl9pPr>
   </p:defaultTextStyle>
+  <p:extLst>
+    <p:ext uri="{EFAFB233-063F-42B5-8137-9DF3F51BA10A}">
+      <p15:sldGuideLst xmlns:p15="http://schemas.microsoft.com/office/powerpoint/2012/main"/>
+    </p:ext>
+  </p:extLst>
 </p:presentation>
 </file>
 
@@ -240,7 +245,7 @@
           <a:p>
             <a:fld id="{641FA71B-EC0D-4880-99D5-0374B2DF202F}" type="datetimeFigureOut">
               <a:rPr lang="zh-CN" altLang="en-US" smtClean="0"/>
-              <a:t>2019/1/1</a:t>
+              <a:t>2019/1/4</a:t>
             </a:fld>
             <a:endParaRPr lang="zh-CN" altLang="en-US"/>
           </a:p>
@@ -410,7 +415,7 @@
           <a:p>
             <a:fld id="{641FA71B-EC0D-4880-99D5-0374B2DF202F}" type="datetimeFigureOut">
               <a:rPr lang="zh-CN" altLang="en-US" smtClean="0"/>
-              <a:t>2019/1/1</a:t>
+              <a:t>2019/1/4</a:t>
             </a:fld>
             <a:endParaRPr lang="zh-CN" altLang="en-US"/>
           </a:p>
@@ -590,7 +595,7 @@
           <a:p>
             <a:fld id="{641FA71B-EC0D-4880-99D5-0374B2DF202F}" type="datetimeFigureOut">
               <a:rPr lang="zh-CN" altLang="en-US" smtClean="0"/>
-              <a:t>2019/1/1</a:t>
+              <a:t>2019/1/4</a:t>
             </a:fld>
             <a:endParaRPr lang="zh-CN" altLang="en-US"/>
           </a:p>
@@ -760,7 +765,7 @@
           <a:p>
             <a:fld id="{641FA71B-EC0D-4880-99D5-0374B2DF202F}" type="datetimeFigureOut">
               <a:rPr lang="zh-CN" altLang="en-US" smtClean="0"/>
-              <a:t>2019/1/1</a:t>
+              <a:t>2019/1/4</a:t>
             </a:fld>
             <a:endParaRPr lang="zh-CN" altLang="en-US"/>
           </a:p>
@@ -1006,7 +1011,7 @@
           <a:p>
             <a:fld id="{641FA71B-EC0D-4880-99D5-0374B2DF202F}" type="datetimeFigureOut">
               <a:rPr lang="zh-CN" altLang="en-US" smtClean="0"/>
-              <a:t>2019/1/1</a:t>
+              <a:t>2019/1/4</a:t>
             </a:fld>
             <a:endParaRPr lang="zh-CN" altLang="en-US"/>
           </a:p>
@@ -1238,7 +1243,7 @@
           <a:p>
             <a:fld id="{641FA71B-EC0D-4880-99D5-0374B2DF202F}" type="datetimeFigureOut">
               <a:rPr lang="zh-CN" altLang="en-US" smtClean="0"/>
-              <a:t>2019/1/1</a:t>
+              <a:t>2019/1/4</a:t>
             </a:fld>
             <a:endParaRPr lang="zh-CN" altLang="en-US"/>
           </a:p>
@@ -1605,7 +1610,7 @@
           <a:p>
             <a:fld id="{641FA71B-EC0D-4880-99D5-0374B2DF202F}" type="datetimeFigureOut">
               <a:rPr lang="zh-CN" altLang="en-US" smtClean="0"/>
-              <a:t>2019/1/1</a:t>
+              <a:t>2019/1/4</a:t>
             </a:fld>
             <a:endParaRPr lang="zh-CN" altLang="en-US"/>
           </a:p>
@@ -1723,7 +1728,7 @@
           <a:p>
             <a:fld id="{641FA71B-EC0D-4880-99D5-0374B2DF202F}" type="datetimeFigureOut">
               <a:rPr lang="zh-CN" altLang="en-US" smtClean="0"/>
-              <a:t>2019/1/1</a:t>
+              <a:t>2019/1/4</a:t>
             </a:fld>
             <a:endParaRPr lang="zh-CN" altLang="en-US"/>
           </a:p>
@@ -1818,7 +1823,7 @@
           <a:p>
             <a:fld id="{641FA71B-EC0D-4880-99D5-0374B2DF202F}" type="datetimeFigureOut">
               <a:rPr lang="zh-CN" altLang="en-US" smtClean="0"/>
-              <a:t>2019/1/1</a:t>
+              <a:t>2019/1/4</a:t>
             </a:fld>
             <a:endParaRPr lang="zh-CN" altLang="en-US"/>
           </a:p>
@@ -2095,7 +2100,7 @@
           <a:p>
             <a:fld id="{641FA71B-EC0D-4880-99D5-0374B2DF202F}" type="datetimeFigureOut">
               <a:rPr lang="zh-CN" altLang="en-US" smtClean="0"/>
-              <a:t>2019/1/1</a:t>
+              <a:t>2019/1/4</a:t>
             </a:fld>
             <a:endParaRPr lang="zh-CN" altLang="en-US"/>
           </a:p>
@@ -2348,7 +2353,7 @@
           <a:p>
             <a:fld id="{641FA71B-EC0D-4880-99D5-0374B2DF202F}" type="datetimeFigureOut">
               <a:rPr lang="zh-CN" altLang="en-US" smtClean="0"/>
-              <a:t>2019/1/1</a:t>
+              <a:t>2019/1/4</a:t>
             </a:fld>
             <a:endParaRPr lang="zh-CN" altLang="en-US"/>
           </a:p>
@@ -2561,7 +2566,7 @@
           <a:p>
             <a:fld id="{641FA71B-EC0D-4880-99D5-0374B2DF202F}" type="datetimeFigureOut">
               <a:rPr lang="zh-CN" altLang="en-US" smtClean="0"/>
-              <a:t>2019/1/1</a:t>
+              <a:t>2019/1/4</a:t>
             </a:fld>
             <a:endParaRPr lang="zh-CN" altLang="en-US"/>
           </a:p>
@@ -2966,8 +2971,8 @@
           <a:chExt cx="0" cy="0"/>
         </a:xfrm>
       </p:grpSpPr>
-      <mc:AlternateContent xmlns:mc="http://schemas.openxmlformats.org/markup-compatibility/2006">
-        <mc:Choice xmlns:a14="http://schemas.microsoft.com/office/drawing/2010/main" Requires="a14">
+      <mc:AlternateContent xmlns:mc="http://schemas.openxmlformats.org/markup-compatibility/2006" xmlns:a14="http://schemas.microsoft.com/office/drawing/2010/main">
+        <mc:Choice Requires="a14">
           <p:sp>
             <p:nvSpPr>
               <p:cNvPr id="18" name="文本框 17"/>
@@ -2990,6 +2995,7 @@
               </a:bodyPr>
               <a:lstStyle/>
               <a:p>
+                <a:pPr/>
                 <a14:m>
                   <m:oMathPara xmlns:m="http://schemas.openxmlformats.org/officeDocument/2006/math">
                     <m:oMathParaPr>
@@ -3029,7 +3035,7 @@
             </p:txBody>
           </p:sp>
         </mc:Choice>
-        <mc:Fallback>
+        <mc:Fallback xmlns="">
           <p:sp>
             <p:nvSpPr>
               <p:cNvPr id="18" name="文本框 17"/>
@@ -3068,8 +3074,8 @@
           </p:sp>
         </mc:Fallback>
       </mc:AlternateContent>
-      <mc:AlternateContent xmlns:mc="http://schemas.openxmlformats.org/markup-compatibility/2006">
-        <mc:Choice xmlns:a14="http://schemas.microsoft.com/office/drawing/2010/main" Requires="a14">
+      <mc:AlternateContent xmlns:mc="http://schemas.openxmlformats.org/markup-compatibility/2006" xmlns:a14="http://schemas.microsoft.com/office/drawing/2010/main">
+        <mc:Choice Requires="a14">
           <p:sp>
             <p:nvSpPr>
               <p:cNvPr id="19" name="文本框 18"/>
@@ -3092,6 +3098,7 @@
               </a:bodyPr>
               <a:lstStyle/>
               <a:p>
+                <a:pPr/>
                 <a14:m>
                   <m:oMathPara xmlns:m="http://schemas.openxmlformats.org/officeDocument/2006/math">
                     <m:oMathParaPr>
@@ -3131,7 +3138,7 @@
             </p:txBody>
           </p:sp>
         </mc:Choice>
-        <mc:Fallback>
+        <mc:Fallback xmlns="">
           <p:sp>
             <p:nvSpPr>
               <p:cNvPr id="19" name="文本框 18"/>
@@ -3170,8 +3177,8 @@
           </p:sp>
         </mc:Fallback>
       </mc:AlternateContent>
-      <mc:AlternateContent xmlns:mc="http://schemas.openxmlformats.org/markup-compatibility/2006">
-        <mc:Choice xmlns:a14="http://schemas.microsoft.com/office/drawing/2010/main" Requires="a14">
+      <mc:AlternateContent xmlns:mc="http://schemas.openxmlformats.org/markup-compatibility/2006" xmlns:a14="http://schemas.microsoft.com/office/drawing/2010/main">
+        <mc:Choice Requires="a14">
           <p:sp>
             <p:nvSpPr>
               <p:cNvPr id="20" name="文本框 19"/>
@@ -3194,6 +3201,7 @@
               </a:bodyPr>
               <a:lstStyle/>
               <a:p>
+                <a:pPr/>
                 <a14:m>
                   <m:oMathPara xmlns:m="http://schemas.openxmlformats.org/officeDocument/2006/math">
                     <m:oMathParaPr>
@@ -3233,7 +3241,7 @@
             </p:txBody>
           </p:sp>
         </mc:Choice>
-        <mc:Fallback>
+        <mc:Fallback xmlns="">
           <p:sp>
             <p:nvSpPr>
               <p:cNvPr id="20" name="文本框 19"/>
@@ -3272,8 +3280,8 @@
           </p:sp>
         </mc:Fallback>
       </mc:AlternateContent>
-      <mc:AlternateContent xmlns:mc="http://schemas.openxmlformats.org/markup-compatibility/2006">
-        <mc:Choice xmlns:a14="http://schemas.microsoft.com/office/drawing/2010/main" Requires="a14">
+      <mc:AlternateContent xmlns:mc="http://schemas.openxmlformats.org/markup-compatibility/2006" xmlns:a14="http://schemas.microsoft.com/office/drawing/2010/main">
+        <mc:Choice Requires="a14">
           <p:sp>
             <p:nvSpPr>
               <p:cNvPr id="21" name="文本框 20"/>
@@ -3296,6 +3304,7 @@
               </a:bodyPr>
               <a:lstStyle/>
               <a:p>
+                <a:pPr/>
                 <a14:m>
                   <m:oMathPara xmlns:m="http://schemas.openxmlformats.org/officeDocument/2006/math">
                     <m:oMathParaPr>
@@ -3335,7 +3344,7 @@
             </p:txBody>
           </p:sp>
         </mc:Choice>
-        <mc:Fallback>
+        <mc:Fallback xmlns="">
           <p:sp>
             <p:nvSpPr>
               <p:cNvPr id="21" name="文本框 20"/>
@@ -3374,8 +3383,8 @@
           </p:sp>
         </mc:Fallback>
       </mc:AlternateContent>
-      <mc:AlternateContent xmlns:mc="http://schemas.openxmlformats.org/markup-compatibility/2006">
-        <mc:Choice xmlns:a14="http://schemas.microsoft.com/office/drawing/2010/main" Requires="a14">
+      <mc:AlternateContent xmlns:mc="http://schemas.openxmlformats.org/markup-compatibility/2006" xmlns:a14="http://schemas.microsoft.com/office/drawing/2010/main">
+        <mc:Choice Requires="a14">
           <p:sp>
             <p:nvSpPr>
               <p:cNvPr id="22" name="文本框 21"/>
@@ -3398,6 +3407,7 @@
               </a:bodyPr>
               <a:lstStyle/>
               <a:p>
+                <a:pPr/>
                 <a14:m>
                   <m:oMathPara xmlns:m="http://schemas.openxmlformats.org/officeDocument/2006/math">
                     <m:oMathParaPr>
@@ -3437,7 +3447,7 @@
             </p:txBody>
           </p:sp>
         </mc:Choice>
-        <mc:Fallback>
+        <mc:Fallback xmlns="">
           <p:sp>
             <p:nvSpPr>
               <p:cNvPr id="22" name="文本框 21"/>
@@ -3728,8 +3738,8 @@
             </p:style>
           </p:cxnSp>
         </p:grpSp>
-        <mc:AlternateContent xmlns:mc="http://schemas.openxmlformats.org/markup-compatibility/2006">
-          <mc:Choice xmlns:a14="http://schemas.microsoft.com/office/drawing/2010/main" Requires="a14">
+        <mc:AlternateContent xmlns:mc="http://schemas.openxmlformats.org/markup-compatibility/2006" xmlns:a14="http://schemas.microsoft.com/office/drawing/2010/main">
+          <mc:Choice Requires="a14">
             <p:sp>
               <p:nvSpPr>
                 <p:cNvPr id="23" name="文本框 22"/>
@@ -3757,6 +3767,7 @@
                 </a:bodyPr>
                 <a:lstStyle/>
                 <a:p>
+                  <a:pPr/>
                   <a14:m>
                     <m:oMathPara xmlns:m="http://schemas.openxmlformats.org/officeDocument/2006/math">
                       <m:oMathParaPr>
@@ -3796,7 +3807,7 @@
               </p:txBody>
             </p:sp>
           </mc:Choice>
-          <mc:Fallback>
+          <mc:Fallback xmlns="">
             <p:sp>
               <p:nvSpPr>
                 <p:cNvPr id="23" name="文本框 22"/>
@@ -3920,24 +3931,26 @@
           <a:p>
             <a:pPr lvl="1"/>
             <a:r>
+              <a:rPr lang="en-US" altLang="zh-CN" sz="1400" dirty="0" smtClean="0"/>
+              <a:t>push( )</a:t>
+            </a:r>
+            <a:endParaRPr lang="en-US" altLang="zh-CN" sz="1400" dirty="0" smtClean="0"/>
+          </a:p>
+          <a:p>
+            <a:pPr lvl="1"/>
+            <a:r>
               <a:rPr lang="en-US" altLang="zh-CN" sz="1400" dirty="0"/>
               <a:t>p</a:t>
             </a:r>
             <a:r>
               <a:rPr lang="en-US" altLang="zh-CN" sz="1400" dirty="0" smtClean="0"/>
-              <a:t>ush()</a:t>
-            </a:r>
-          </a:p>
-          <a:p>
-            <a:pPr lvl="1"/>
-            <a:r>
-              <a:rPr lang="en-US" altLang="zh-CN" sz="1400" dirty="0"/>
-              <a:t>p</a:t>
+              <a:t>op</a:t>
             </a:r>
             <a:r>
               <a:rPr lang="en-US" altLang="zh-CN" sz="1400" dirty="0" smtClean="0"/>
-              <a:t>op()</a:t>
-            </a:r>
+              <a:t>( )</a:t>
+            </a:r>
+            <a:endParaRPr lang="en-US" altLang="zh-CN" sz="1400" dirty="0" smtClean="0"/>
           </a:p>
           <a:p>
             <a:pPr lvl="1"/>
@@ -3947,8 +3960,13 @@
             </a:r>
             <a:r>
               <a:rPr lang="en-US" altLang="zh-CN" sz="1400" dirty="0" smtClean="0"/>
-              <a:t>op()</a:t>
-            </a:r>
+              <a:t>op</a:t>
+            </a:r>
+            <a:r>
+              <a:rPr lang="en-US" altLang="zh-CN" sz="1400" dirty="0" smtClean="0"/>
+              <a:t>( )</a:t>
+            </a:r>
+            <a:endParaRPr lang="en-US" altLang="zh-CN" sz="1400" dirty="0" smtClean="0"/>
           </a:p>
           <a:p>
             <a:pPr lvl="1"/>
@@ -3962,7 +3980,7 @@
             </a:r>
             <a:r>
               <a:rPr lang="en-US" altLang="zh-CN" sz="1400" dirty="0" smtClean="0"/>
-              <a:t>()</a:t>
+              <a:t>( )</a:t>
             </a:r>
             <a:endParaRPr lang="zh-CN" altLang="en-US" sz="1400" dirty="0"/>
           </a:p>
@@ -3998,6 +4016,2050 @@
           <a:chExt cx="0" cy="0"/>
         </a:xfrm>
       </p:grpSpPr>
+      <p:grpSp>
+        <p:nvGrpSpPr>
+          <p:cNvPr id="59" name="组合 58"/>
+          <p:cNvGrpSpPr/>
+          <p:nvPr/>
+        </p:nvGrpSpPr>
+        <p:grpSpPr>
+          <a:xfrm>
+            <a:off x="1800234" y="2565657"/>
+            <a:ext cx="3934040" cy="2898580"/>
+            <a:chOff x="1800234" y="2565657"/>
+            <a:chExt cx="3934040" cy="2898580"/>
+          </a:xfrm>
+        </p:grpSpPr>
+        <p:grpSp>
+          <p:nvGrpSpPr>
+            <p:cNvPr id="11" name="组合 10"/>
+            <p:cNvGrpSpPr/>
+            <p:nvPr/>
+          </p:nvGrpSpPr>
+          <p:grpSpPr>
+            <a:xfrm>
+              <a:off x="3455719" y="2636322"/>
+              <a:ext cx="1229987" cy="597333"/>
+              <a:chOff x="3455719" y="2636322"/>
+              <a:chExt cx="1229987" cy="597333"/>
+            </a:xfrm>
+          </p:grpSpPr>
+          <p:cxnSp>
+            <p:nvCxnSpPr>
+              <p:cNvPr id="4" name="直接连接符 3"/>
+              <p:cNvCxnSpPr/>
+              <p:nvPr/>
+            </p:nvCxnSpPr>
+            <p:spPr>
+              <a:xfrm>
+                <a:off x="3455719" y="2903517"/>
+                <a:ext cx="1187533" cy="0"/>
+              </a:xfrm>
+              <a:prstGeom prst="line">
+                <a:avLst/>
+              </a:prstGeom>
+              <a:ln w="28575">
+                <a:solidFill>
+                  <a:schemeClr val="tx1"/>
+                </a:solidFill>
+              </a:ln>
+            </p:spPr>
+            <p:style>
+              <a:lnRef idx="1">
+                <a:schemeClr val="accent1"/>
+              </a:lnRef>
+              <a:fillRef idx="0">
+                <a:schemeClr val="accent1"/>
+              </a:fillRef>
+              <a:effectRef idx="0">
+                <a:schemeClr val="accent1"/>
+              </a:effectRef>
+              <a:fontRef idx="minor">
+                <a:schemeClr val="tx1"/>
+              </a:fontRef>
+            </p:style>
+          </p:cxnSp>
+          <p:sp>
+            <p:nvSpPr>
+              <p:cNvPr id="5" name="矩形 4"/>
+              <p:cNvSpPr/>
+              <p:nvPr/>
+            </p:nvSpPr>
+            <p:spPr>
+              <a:xfrm>
+                <a:off x="3455719" y="2636322"/>
+                <a:ext cx="1187533" cy="558140"/>
+              </a:xfrm>
+              <a:prstGeom prst="rect">
+                <a:avLst/>
+              </a:prstGeom>
+              <a:noFill/>
+              <a:ln w="28575">
+                <a:solidFill>
+                  <a:schemeClr val="tx1"/>
+                </a:solidFill>
+              </a:ln>
+            </p:spPr>
+            <p:style>
+              <a:lnRef idx="2">
+                <a:schemeClr val="accent1">
+                  <a:shade val="50000"/>
+                </a:schemeClr>
+              </a:lnRef>
+              <a:fillRef idx="1">
+                <a:schemeClr val="accent1"/>
+              </a:fillRef>
+              <a:effectRef idx="0">
+                <a:schemeClr val="accent1"/>
+              </a:effectRef>
+              <a:fontRef idx="minor">
+                <a:schemeClr val="lt1"/>
+              </a:fontRef>
+            </p:style>
+            <p:txBody>
+              <a:bodyPr rtlCol="0" anchor="ctr"/>
+              <a:lstStyle/>
+              <a:p>
+                <a:pPr algn="ctr"/>
+                <a:endParaRPr lang="zh-CN" altLang="en-US"/>
+              </a:p>
+            </p:txBody>
+          </p:sp>
+          <p:cxnSp>
+            <p:nvCxnSpPr>
+              <p:cNvPr id="7" name="直接连接符 6"/>
+              <p:cNvCxnSpPr>
+                <a:endCxn id="5" idx="2"/>
+              </p:cNvCxnSpPr>
+              <p:nvPr/>
+            </p:nvCxnSpPr>
+            <p:spPr>
+              <a:xfrm>
+                <a:off x="4049486" y="2903517"/>
+                <a:ext cx="0" cy="290945"/>
+              </a:xfrm>
+              <a:prstGeom prst="line">
+                <a:avLst/>
+              </a:prstGeom>
+              <a:ln w="28575">
+                <a:solidFill>
+                  <a:schemeClr val="tx1"/>
+                </a:solidFill>
+              </a:ln>
+            </p:spPr>
+            <p:style>
+              <a:lnRef idx="1">
+                <a:schemeClr val="accent1"/>
+              </a:lnRef>
+              <a:fillRef idx="0">
+                <a:schemeClr val="accent1"/>
+              </a:fillRef>
+              <a:effectRef idx="0">
+                <a:schemeClr val="accent1"/>
+              </a:effectRef>
+              <a:fontRef idx="minor">
+                <a:schemeClr val="tx1"/>
+              </a:fontRef>
+            </p:style>
+          </p:cxnSp>
+          <p:sp>
+            <p:nvSpPr>
+              <p:cNvPr id="9" name="文本框 8"/>
+              <p:cNvSpPr txBox="1"/>
+              <p:nvPr/>
+            </p:nvSpPr>
+            <p:spPr>
+              <a:xfrm>
+                <a:off x="3606569" y="2864323"/>
+                <a:ext cx="292068" cy="369332"/>
+              </a:xfrm>
+              <a:prstGeom prst="rect">
+                <a:avLst/>
+              </a:prstGeom>
+              <a:noFill/>
+            </p:spPr>
+            <p:txBody>
+              <a:bodyPr wrap="none" rtlCol="0">
+                <a:spAutoFit/>
+              </a:bodyPr>
+              <a:lstStyle/>
+              <a:p>
+                <a:r>
+                  <a:rPr lang="en-US" altLang="zh-CN" dirty="0" smtClean="0"/>
+                  <a:t>L</a:t>
+                </a:r>
+                <a:endParaRPr lang="zh-CN" altLang="en-US" dirty="0"/>
+              </a:p>
+            </p:txBody>
+          </p:sp>
+          <p:sp>
+            <p:nvSpPr>
+              <p:cNvPr id="10" name="文本框 9"/>
+              <p:cNvSpPr txBox="1"/>
+              <p:nvPr/>
+            </p:nvSpPr>
+            <p:spPr>
+              <a:xfrm>
+                <a:off x="4176849" y="2864323"/>
+                <a:ext cx="508857" cy="369332"/>
+              </a:xfrm>
+              <a:prstGeom prst="rect">
+                <a:avLst/>
+              </a:prstGeom>
+              <a:noFill/>
+            </p:spPr>
+            <p:txBody>
+              <a:bodyPr wrap="square" rtlCol="0">
+                <a:spAutoFit/>
+              </a:bodyPr>
+              <a:lstStyle/>
+              <a:p>
+                <a:r>
+                  <a:rPr lang="en-US" altLang="zh-CN" dirty="0" smtClean="0"/>
+                  <a:t>R</a:t>
+                </a:r>
+                <a:endParaRPr lang="zh-CN" altLang="en-US" dirty="0"/>
+              </a:p>
+            </p:txBody>
+          </p:sp>
+        </p:grpSp>
+        <mc:AlternateContent xmlns:mc="http://schemas.openxmlformats.org/markup-compatibility/2006">
+          <mc:Choice xmlns:a14="http://schemas.microsoft.com/office/drawing/2010/main" Requires="a14">
+            <p:sp>
+              <p:nvSpPr>
+                <p:cNvPr id="12" name="文本框 11"/>
+                <p:cNvSpPr txBox="1"/>
+                <p:nvPr/>
+              </p:nvSpPr>
+              <p:spPr>
+                <a:xfrm>
+                  <a:off x="3874449" y="2565657"/>
+                  <a:ext cx="477438" cy="369332"/>
+                </a:xfrm>
+                <a:prstGeom prst="rect">
+                  <a:avLst/>
+                </a:prstGeom>
+                <a:noFill/>
+              </p:spPr>
+              <p:txBody>
+                <a:bodyPr wrap="none" rtlCol="0">
+                  <a:spAutoFit/>
+                </a:bodyPr>
+                <a:lstStyle/>
+                <a:p>
+                  <a14:m>
+                    <m:oMath xmlns:m="http://schemas.openxmlformats.org/officeDocument/2006/math">
+                      <m:sSub>
+                        <m:sSubPr>
+                          <m:ctrlPr>
+                            <a:rPr lang="en-US" altLang="zh-CN" b="0" i="1" smtClean="0">
+                              <a:latin typeface="Cambria Math" panose="02040503050406030204" pitchFamily="18" charset="0"/>
+                            </a:rPr>
+                          </m:ctrlPr>
+                        </m:sSubPr>
+                        <m:e>
+                          <m:r>
+                            <a:rPr lang="en-US" altLang="zh-CN" b="0" i="1" smtClean="0">
+                              <a:latin typeface="Cambria Math" panose="02040503050406030204" pitchFamily="18" charset="0"/>
+                            </a:rPr>
+                            <m:t>𝑎</m:t>
+                          </m:r>
+                        </m:e>
+                        <m:sub>
+                          <m:r>
+                            <a:rPr lang="en-US" altLang="zh-CN" b="0" i="1" smtClean="0">
+                              <a:latin typeface="Cambria Math" panose="02040503050406030204" pitchFamily="18" charset="0"/>
+                            </a:rPr>
+                            <m:t>1</m:t>
+                          </m:r>
+                        </m:sub>
+                      </m:sSub>
+                    </m:oMath>
+                  </a14:m>
+                  <a:r>
+                    <a:rPr lang="en-US" altLang="zh-CN" dirty="0" smtClean="0"/>
+                    <a:t> </a:t>
+                  </a:r>
+                  <a:endParaRPr lang="zh-CN" altLang="en-US" dirty="0"/>
+                </a:p>
+              </p:txBody>
+            </p:sp>
+          </mc:Choice>
+          <mc:Fallback>
+            <p:sp>
+              <p:nvSpPr>
+                <p:cNvPr id="12" name="文本框 11"/>
+                <p:cNvSpPr txBox="1">
+                  <a:spLocks noRot="1" noChangeAspect="1" noMove="1" noResize="1" noEditPoints="1" noAdjustHandles="1" noChangeArrowheads="1" noChangeShapeType="1" noTextEdit="1"/>
+                </p:cNvSpPr>
+                <p:nvPr/>
+              </p:nvSpPr>
+              <p:spPr>
+                <a:xfrm>
+                  <a:off x="3874449" y="2565657"/>
+                  <a:ext cx="477438" cy="369332"/>
+                </a:xfrm>
+                <a:prstGeom prst="rect">
+                  <a:avLst/>
+                </a:prstGeom>
+                <a:blipFill>
+                  <a:blip r:embed="rId2"/>
+                  <a:stretch>
+                    <a:fillRect/>
+                  </a:stretch>
+                </a:blipFill>
+              </p:spPr>
+              <p:txBody>
+                <a:bodyPr/>
+                <a:lstStyle/>
+                <a:p>
+                  <a:r>
+                    <a:rPr lang="zh-CN" altLang="en-US">
+                      <a:noFill/>
+                    </a:rPr>
+                    <a:t> </a:t>
+                  </a:r>
+                </a:p>
+              </p:txBody>
+            </p:sp>
+          </mc:Fallback>
+        </mc:AlternateContent>
+        <p:grpSp>
+          <p:nvGrpSpPr>
+            <p:cNvPr id="13" name="组合 12"/>
+            <p:cNvGrpSpPr/>
+            <p:nvPr/>
+          </p:nvGrpSpPr>
+          <p:grpSpPr>
+            <a:xfrm>
+              <a:off x="1800234" y="4866904"/>
+              <a:ext cx="1229987" cy="597333"/>
+              <a:chOff x="3455719" y="2636322"/>
+              <a:chExt cx="1229987" cy="597333"/>
+            </a:xfrm>
+          </p:grpSpPr>
+          <p:cxnSp>
+            <p:nvCxnSpPr>
+              <p:cNvPr id="14" name="直接连接符 13"/>
+              <p:cNvCxnSpPr/>
+              <p:nvPr/>
+            </p:nvCxnSpPr>
+            <p:spPr>
+              <a:xfrm>
+                <a:off x="3455719" y="2903517"/>
+                <a:ext cx="1187533" cy="0"/>
+              </a:xfrm>
+              <a:prstGeom prst="line">
+                <a:avLst/>
+              </a:prstGeom>
+              <a:ln w="28575">
+                <a:solidFill>
+                  <a:schemeClr val="tx1"/>
+                </a:solidFill>
+              </a:ln>
+            </p:spPr>
+            <p:style>
+              <a:lnRef idx="1">
+                <a:schemeClr val="accent1"/>
+              </a:lnRef>
+              <a:fillRef idx="0">
+                <a:schemeClr val="accent1"/>
+              </a:fillRef>
+              <a:effectRef idx="0">
+                <a:schemeClr val="accent1"/>
+              </a:effectRef>
+              <a:fontRef idx="minor">
+                <a:schemeClr val="tx1"/>
+              </a:fontRef>
+            </p:style>
+          </p:cxnSp>
+          <p:sp>
+            <p:nvSpPr>
+              <p:cNvPr id="15" name="矩形 14"/>
+              <p:cNvSpPr/>
+              <p:nvPr/>
+            </p:nvSpPr>
+            <p:spPr>
+              <a:xfrm>
+                <a:off x="3455719" y="2636322"/>
+                <a:ext cx="1187533" cy="558140"/>
+              </a:xfrm>
+              <a:prstGeom prst="rect">
+                <a:avLst/>
+              </a:prstGeom>
+              <a:noFill/>
+              <a:ln w="28575">
+                <a:solidFill>
+                  <a:schemeClr val="tx1"/>
+                </a:solidFill>
+              </a:ln>
+            </p:spPr>
+            <p:style>
+              <a:lnRef idx="2">
+                <a:schemeClr val="accent1">
+                  <a:shade val="50000"/>
+                </a:schemeClr>
+              </a:lnRef>
+              <a:fillRef idx="1">
+                <a:schemeClr val="accent1"/>
+              </a:fillRef>
+              <a:effectRef idx="0">
+                <a:schemeClr val="accent1"/>
+              </a:effectRef>
+              <a:fontRef idx="minor">
+                <a:schemeClr val="lt1"/>
+              </a:fontRef>
+            </p:style>
+            <p:txBody>
+              <a:bodyPr rtlCol="0" anchor="ctr"/>
+              <a:lstStyle/>
+              <a:p>
+                <a:pPr algn="ctr"/>
+                <a:endParaRPr lang="zh-CN" altLang="en-US"/>
+              </a:p>
+            </p:txBody>
+          </p:sp>
+          <p:cxnSp>
+            <p:nvCxnSpPr>
+              <p:cNvPr id="16" name="直接连接符 15"/>
+              <p:cNvCxnSpPr>
+                <a:endCxn id="15" idx="2"/>
+              </p:cNvCxnSpPr>
+              <p:nvPr/>
+            </p:nvCxnSpPr>
+            <p:spPr>
+              <a:xfrm>
+                <a:off x="4049486" y="2903517"/>
+                <a:ext cx="0" cy="290945"/>
+              </a:xfrm>
+              <a:prstGeom prst="line">
+                <a:avLst/>
+              </a:prstGeom>
+              <a:ln w="28575">
+                <a:solidFill>
+                  <a:schemeClr val="tx1"/>
+                </a:solidFill>
+              </a:ln>
+            </p:spPr>
+            <p:style>
+              <a:lnRef idx="1">
+                <a:schemeClr val="accent1"/>
+              </a:lnRef>
+              <a:fillRef idx="0">
+                <a:schemeClr val="accent1"/>
+              </a:fillRef>
+              <a:effectRef idx="0">
+                <a:schemeClr val="accent1"/>
+              </a:effectRef>
+              <a:fontRef idx="minor">
+                <a:schemeClr val="tx1"/>
+              </a:fontRef>
+            </p:style>
+          </p:cxnSp>
+          <p:sp>
+            <p:nvSpPr>
+              <p:cNvPr id="17" name="文本框 16"/>
+              <p:cNvSpPr txBox="1"/>
+              <p:nvPr/>
+            </p:nvSpPr>
+            <p:spPr>
+              <a:xfrm>
+                <a:off x="3606569" y="2864323"/>
+                <a:ext cx="292068" cy="369332"/>
+              </a:xfrm>
+              <a:prstGeom prst="rect">
+                <a:avLst/>
+              </a:prstGeom>
+              <a:noFill/>
+            </p:spPr>
+            <p:txBody>
+              <a:bodyPr wrap="none" rtlCol="0">
+                <a:spAutoFit/>
+              </a:bodyPr>
+              <a:lstStyle/>
+              <a:p>
+                <a:r>
+                  <a:rPr lang="en-US" altLang="zh-CN" dirty="0" smtClean="0"/>
+                  <a:t>L</a:t>
+                </a:r>
+                <a:endParaRPr lang="zh-CN" altLang="en-US" dirty="0"/>
+              </a:p>
+            </p:txBody>
+          </p:sp>
+          <p:sp>
+            <p:nvSpPr>
+              <p:cNvPr id="18" name="文本框 17"/>
+              <p:cNvSpPr txBox="1"/>
+              <p:nvPr/>
+            </p:nvSpPr>
+            <p:spPr>
+              <a:xfrm>
+                <a:off x="4176849" y="2864323"/>
+                <a:ext cx="508857" cy="369332"/>
+              </a:xfrm>
+              <a:prstGeom prst="rect">
+                <a:avLst/>
+              </a:prstGeom>
+              <a:noFill/>
+            </p:spPr>
+            <p:txBody>
+              <a:bodyPr wrap="square" rtlCol="0">
+                <a:spAutoFit/>
+              </a:bodyPr>
+              <a:lstStyle/>
+              <a:p>
+                <a:r>
+                  <a:rPr lang="en-US" altLang="zh-CN" dirty="0" smtClean="0"/>
+                  <a:t>R</a:t>
+                </a:r>
+                <a:endParaRPr lang="zh-CN" altLang="en-US" dirty="0"/>
+              </a:p>
+            </p:txBody>
+          </p:sp>
+        </p:grpSp>
+        <mc:AlternateContent xmlns:mc="http://schemas.openxmlformats.org/markup-compatibility/2006">
+          <mc:Choice xmlns:a14="http://schemas.microsoft.com/office/drawing/2010/main" Requires="a14">
+            <p:sp>
+              <p:nvSpPr>
+                <p:cNvPr id="19" name="文本框 18"/>
+                <p:cNvSpPr txBox="1"/>
+                <p:nvPr/>
+              </p:nvSpPr>
+              <p:spPr>
+                <a:xfrm>
+                  <a:off x="2185995" y="4776642"/>
+                  <a:ext cx="482761" cy="369332"/>
+                </a:xfrm>
+                <a:prstGeom prst="rect">
+                  <a:avLst/>
+                </a:prstGeom>
+                <a:noFill/>
+              </p:spPr>
+              <p:txBody>
+                <a:bodyPr wrap="none" rtlCol="0">
+                  <a:spAutoFit/>
+                </a:bodyPr>
+                <a:lstStyle/>
+                <a:p>
+                  <a14:m>
+                    <m:oMath xmlns:m="http://schemas.openxmlformats.org/officeDocument/2006/math">
+                      <m:sSub>
+                        <m:sSubPr>
+                          <m:ctrlPr>
+                            <a:rPr lang="en-US" altLang="zh-CN" b="0" i="1" smtClean="0">
+                              <a:latin typeface="Cambria Math" panose="02040503050406030204" pitchFamily="18" charset="0"/>
+                            </a:rPr>
+                          </m:ctrlPr>
+                        </m:sSubPr>
+                        <m:e>
+                          <m:r>
+                            <a:rPr lang="en-US" altLang="zh-CN" b="0" i="1" smtClean="0">
+                              <a:latin typeface="Cambria Math" panose="02040503050406030204" pitchFamily="18" charset="0"/>
+                            </a:rPr>
+                            <m:t>𝑎</m:t>
+                          </m:r>
+                        </m:e>
+                        <m:sub>
+                          <m:r>
+                            <a:rPr lang="en-US" altLang="zh-CN" b="0" i="1" smtClean="0">
+                              <a:latin typeface="Cambria Math" panose="02040503050406030204" pitchFamily="18" charset="0"/>
+                            </a:rPr>
+                            <m:t>4</m:t>
+                          </m:r>
+                        </m:sub>
+                      </m:sSub>
+                    </m:oMath>
+                  </a14:m>
+                  <a:r>
+                    <a:rPr lang="en-US" altLang="zh-CN" dirty="0" smtClean="0"/>
+                    <a:t> </a:t>
+                  </a:r>
+                  <a:endParaRPr lang="zh-CN" altLang="en-US" dirty="0"/>
+                </a:p>
+              </p:txBody>
+            </p:sp>
+          </mc:Choice>
+          <mc:Fallback>
+            <p:sp>
+              <p:nvSpPr>
+                <p:cNvPr id="19" name="文本框 18"/>
+                <p:cNvSpPr txBox="1">
+                  <a:spLocks noRot="1" noChangeAspect="1" noMove="1" noResize="1" noEditPoints="1" noAdjustHandles="1" noChangeArrowheads="1" noChangeShapeType="1" noTextEdit="1"/>
+                </p:cNvSpPr>
+                <p:nvPr/>
+              </p:nvSpPr>
+              <p:spPr>
+                <a:xfrm>
+                  <a:off x="2185995" y="4776642"/>
+                  <a:ext cx="482761" cy="369332"/>
+                </a:xfrm>
+                <a:prstGeom prst="rect">
+                  <a:avLst/>
+                </a:prstGeom>
+                <a:blipFill>
+                  <a:blip r:embed="rId3"/>
+                  <a:stretch>
+                    <a:fillRect/>
+                  </a:stretch>
+                </a:blipFill>
+              </p:spPr>
+              <p:txBody>
+                <a:bodyPr/>
+                <a:lstStyle/>
+                <a:p>
+                  <a:r>
+                    <a:rPr lang="zh-CN" altLang="en-US">
+                      <a:noFill/>
+                    </a:rPr>
+                    <a:t> </a:t>
+                  </a:r>
+                </a:p>
+              </p:txBody>
+            </p:sp>
+          </mc:Fallback>
+        </mc:AlternateContent>
+        <p:grpSp>
+          <p:nvGrpSpPr>
+            <p:cNvPr id="20" name="组合 19"/>
+            <p:cNvGrpSpPr/>
+            <p:nvPr/>
+          </p:nvGrpSpPr>
+          <p:grpSpPr>
+            <a:xfrm>
+              <a:off x="2644462" y="3703122"/>
+              <a:ext cx="1229987" cy="597333"/>
+              <a:chOff x="3455719" y="2636322"/>
+              <a:chExt cx="1229987" cy="597333"/>
+            </a:xfrm>
+          </p:grpSpPr>
+          <p:cxnSp>
+            <p:nvCxnSpPr>
+              <p:cNvPr id="21" name="直接连接符 20"/>
+              <p:cNvCxnSpPr/>
+              <p:nvPr/>
+            </p:nvCxnSpPr>
+            <p:spPr>
+              <a:xfrm>
+                <a:off x="3455719" y="2903517"/>
+                <a:ext cx="1187533" cy="0"/>
+              </a:xfrm>
+              <a:prstGeom prst="line">
+                <a:avLst/>
+              </a:prstGeom>
+              <a:ln w="28575">
+                <a:solidFill>
+                  <a:schemeClr val="tx1"/>
+                </a:solidFill>
+              </a:ln>
+            </p:spPr>
+            <p:style>
+              <a:lnRef idx="1">
+                <a:schemeClr val="accent1"/>
+              </a:lnRef>
+              <a:fillRef idx="0">
+                <a:schemeClr val="accent1"/>
+              </a:fillRef>
+              <a:effectRef idx="0">
+                <a:schemeClr val="accent1"/>
+              </a:effectRef>
+              <a:fontRef idx="minor">
+                <a:schemeClr val="tx1"/>
+              </a:fontRef>
+            </p:style>
+          </p:cxnSp>
+          <p:sp>
+            <p:nvSpPr>
+              <p:cNvPr id="22" name="矩形 21"/>
+              <p:cNvSpPr/>
+              <p:nvPr/>
+            </p:nvSpPr>
+            <p:spPr>
+              <a:xfrm>
+                <a:off x="3455719" y="2636322"/>
+                <a:ext cx="1187533" cy="558140"/>
+              </a:xfrm>
+              <a:prstGeom prst="rect">
+                <a:avLst/>
+              </a:prstGeom>
+              <a:noFill/>
+              <a:ln w="28575">
+                <a:solidFill>
+                  <a:schemeClr val="tx1"/>
+                </a:solidFill>
+              </a:ln>
+            </p:spPr>
+            <p:style>
+              <a:lnRef idx="2">
+                <a:schemeClr val="accent1">
+                  <a:shade val="50000"/>
+                </a:schemeClr>
+              </a:lnRef>
+              <a:fillRef idx="1">
+                <a:schemeClr val="accent1"/>
+              </a:fillRef>
+              <a:effectRef idx="0">
+                <a:schemeClr val="accent1"/>
+              </a:effectRef>
+              <a:fontRef idx="minor">
+                <a:schemeClr val="lt1"/>
+              </a:fontRef>
+            </p:style>
+            <p:txBody>
+              <a:bodyPr rtlCol="0" anchor="ctr"/>
+              <a:lstStyle/>
+              <a:p>
+                <a:pPr algn="ctr"/>
+                <a:endParaRPr lang="zh-CN" altLang="en-US"/>
+              </a:p>
+            </p:txBody>
+          </p:sp>
+          <p:cxnSp>
+            <p:nvCxnSpPr>
+              <p:cNvPr id="23" name="直接连接符 22"/>
+              <p:cNvCxnSpPr>
+                <a:endCxn id="22" idx="2"/>
+              </p:cNvCxnSpPr>
+              <p:nvPr/>
+            </p:nvCxnSpPr>
+            <p:spPr>
+              <a:xfrm>
+                <a:off x="4049486" y="2903517"/>
+                <a:ext cx="0" cy="290945"/>
+              </a:xfrm>
+              <a:prstGeom prst="line">
+                <a:avLst/>
+              </a:prstGeom>
+              <a:ln w="28575">
+                <a:solidFill>
+                  <a:schemeClr val="tx1"/>
+                </a:solidFill>
+              </a:ln>
+            </p:spPr>
+            <p:style>
+              <a:lnRef idx="1">
+                <a:schemeClr val="accent1"/>
+              </a:lnRef>
+              <a:fillRef idx="0">
+                <a:schemeClr val="accent1"/>
+              </a:fillRef>
+              <a:effectRef idx="0">
+                <a:schemeClr val="accent1"/>
+              </a:effectRef>
+              <a:fontRef idx="minor">
+                <a:schemeClr val="tx1"/>
+              </a:fontRef>
+            </p:style>
+          </p:cxnSp>
+          <p:sp>
+            <p:nvSpPr>
+              <p:cNvPr id="24" name="文本框 23"/>
+              <p:cNvSpPr txBox="1"/>
+              <p:nvPr/>
+            </p:nvSpPr>
+            <p:spPr>
+              <a:xfrm>
+                <a:off x="3606569" y="2864323"/>
+                <a:ext cx="292068" cy="369332"/>
+              </a:xfrm>
+              <a:prstGeom prst="rect">
+                <a:avLst/>
+              </a:prstGeom>
+              <a:noFill/>
+            </p:spPr>
+            <p:txBody>
+              <a:bodyPr wrap="none" rtlCol="0">
+                <a:spAutoFit/>
+              </a:bodyPr>
+              <a:lstStyle/>
+              <a:p>
+                <a:r>
+                  <a:rPr lang="en-US" altLang="zh-CN" dirty="0" smtClean="0"/>
+                  <a:t>L</a:t>
+                </a:r>
+                <a:endParaRPr lang="zh-CN" altLang="en-US" dirty="0"/>
+              </a:p>
+            </p:txBody>
+          </p:sp>
+          <p:sp>
+            <p:nvSpPr>
+              <p:cNvPr id="25" name="文本框 24"/>
+              <p:cNvSpPr txBox="1"/>
+              <p:nvPr/>
+            </p:nvSpPr>
+            <p:spPr>
+              <a:xfrm>
+                <a:off x="4176849" y="2864323"/>
+                <a:ext cx="508857" cy="369332"/>
+              </a:xfrm>
+              <a:prstGeom prst="rect">
+                <a:avLst/>
+              </a:prstGeom>
+              <a:noFill/>
+            </p:spPr>
+            <p:txBody>
+              <a:bodyPr wrap="square" rtlCol="0">
+                <a:spAutoFit/>
+              </a:bodyPr>
+              <a:lstStyle/>
+              <a:p>
+                <a:r>
+                  <a:rPr lang="en-US" altLang="zh-CN" dirty="0" smtClean="0"/>
+                  <a:t>R</a:t>
+                </a:r>
+                <a:endParaRPr lang="zh-CN" altLang="en-US" dirty="0"/>
+              </a:p>
+            </p:txBody>
+          </p:sp>
+        </p:grpSp>
+        <mc:AlternateContent xmlns:mc="http://schemas.openxmlformats.org/markup-compatibility/2006">
+          <mc:Choice xmlns:a14="http://schemas.microsoft.com/office/drawing/2010/main" Requires="a14">
+            <p:sp>
+              <p:nvSpPr>
+                <p:cNvPr id="26" name="文本框 25"/>
+                <p:cNvSpPr txBox="1"/>
+                <p:nvPr/>
+              </p:nvSpPr>
+              <p:spPr>
+                <a:xfrm>
+                  <a:off x="3063192" y="3632457"/>
+                  <a:ext cx="482761" cy="369332"/>
+                </a:xfrm>
+                <a:prstGeom prst="rect">
+                  <a:avLst/>
+                </a:prstGeom>
+                <a:noFill/>
+              </p:spPr>
+              <p:txBody>
+                <a:bodyPr wrap="none" rtlCol="0">
+                  <a:spAutoFit/>
+                </a:bodyPr>
+                <a:lstStyle/>
+                <a:p>
+                  <a14:m>
+                    <m:oMath xmlns:m="http://schemas.openxmlformats.org/officeDocument/2006/math">
+                      <m:sSub>
+                        <m:sSubPr>
+                          <m:ctrlPr>
+                            <a:rPr lang="en-US" altLang="zh-CN" b="0" i="1" smtClean="0">
+                              <a:latin typeface="Cambria Math" panose="02040503050406030204" pitchFamily="18" charset="0"/>
+                            </a:rPr>
+                          </m:ctrlPr>
+                        </m:sSubPr>
+                        <m:e>
+                          <m:r>
+                            <a:rPr lang="en-US" altLang="zh-CN" b="0" i="1" smtClean="0">
+                              <a:latin typeface="Cambria Math" panose="02040503050406030204" pitchFamily="18" charset="0"/>
+                            </a:rPr>
+                            <m:t>𝑎</m:t>
+                          </m:r>
+                        </m:e>
+                        <m:sub>
+                          <m:r>
+                            <a:rPr lang="en-US" altLang="zh-CN" b="0" i="1" smtClean="0">
+                              <a:latin typeface="Cambria Math" panose="02040503050406030204" pitchFamily="18" charset="0"/>
+                            </a:rPr>
+                            <m:t>2</m:t>
+                          </m:r>
+                        </m:sub>
+                      </m:sSub>
+                    </m:oMath>
+                  </a14:m>
+                  <a:r>
+                    <a:rPr lang="en-US" altLang="zh-CN" dirty="0" smtClean="0"/>
+                    <a:t> </a:t>
+                  </a:r>
+                  <a:endParaRPr lang="zh-CN" altLang="en-US" dirty="0"/>
+                </a:p>
+              </p:txBody>
+            </p:sp>
+          </mc:Choice>
+          <mc:Fallback>
+            <p:sp>
+              <p:nvSpPr>
+                <p:cNvPr id="26" name="文本框 25"/>
+                <p:cNvSpPr txBox="1">
+                  <a:spLocks noRot="1" noChangeAspect="1" noMove="1" noResize="1" noEditPoints="1" noAdjustHandles="1" noChangeArrowheads="1" noChangeShapeType="1" noTextEdit="1"/>
+                </p:cNvSpPr>
+                <p:nvPr/>
+              </p:nvSpPr>
+              <p:spPr>
+                <a:xfrm>
+                  <a:off x="3063192" y="3632457"/>
+                  <a:ext cx="482761" cy="369332"/>
+                </a:xfrm>
+                <a:prstGeom prst="rect">
+                  <a:avLst/>
+                </a:prstGeom>
+                <a:blipFill>
+                  <a:blip r:embed="rId4"/>
+                  <a:stretch>
+                    <a:fillRect/>
+                  </a:stretch>
+                </a:blipFill>
+              </p:spPr>
+              <p:txBody>
+                <a:bodyPr/>
+                <a:lstStyle/>
+                <a:p>
+                  <a:r>
+                    <a:rPr lang="zh-CN" altLang="en-US">
+                      <a:noFill/>
+                    </a:rPr>
+                    <a:t> </a:t>
+                  </a:r>
+                </a:p>
+              </p:txBody>
+            </p:sp>
+          </mc:Fallback>
+        </mc:AlternateContent>
+        <p:grpSp>
+          <p:nvGrpSpPr>
+            <p:cNvPr id="27" name="组合 26"/>
+            <p:cNvGrpSpPr/>
+            <p:nvPr/>
+          </p:nvGrpSpPr>
+          <p:grpSpPr>
+            <a:xfrm>
+              <a:off x="4504287" y="3708658"/>
+              <a:ext cx="1229987" cy="597333"/>
+              <a:chOff x="3455719" y="2636322"/>
+              <a:chExt cx="1229987" cy="597333"/>
+            </a:xfrm>
+          </p:grpSpPr>
+          <p:cxnSp>
+            <p:nvCxnSpPr>
+              <p:cNvPr id="28" name="直接连接符 27"/>
+              <p:cNvCxnSpPr/>
+              <p:nvPr/>
+            </p:nvCxnSpPr>
+            <p:spPr>
+              <a:xfrm>
+                <a:off x="3455719" y="2903517"/>
+                <a:ext cx="1187533" cy="0"/>
+              </a:xfrm>
+              <a:prstGeom prst="line">
+                <a:avLst/>
+              </a:prstGeom>
+              <a:ln w="28575">
+                <a:solidFill>
+                  <a:schemeClr val="tx1"/>
+                </a:solidFill>
+              </a:ln>
+            </p:spPr>
+            <p:style>
+              <a:lnRef idx="1">
+                <a:schemeClr val="accent1"/>
+              </a:lnRef>
+              <a:fillRef idx="0">
+                <a:schemeClr val="accent1"/>
+              </a:fillRef>
+              <a:effectRef idx="0">
+                <a:schemeClr val="accent1"/>
+              </a:effectRef>
+              <a:fontRef idx="minor">
+                <a:schemeClr val="tx1"/>
+              </a:fontRef>
+            </p:style>
+          </p:cxnSp>
+          <p:sp>
+            <p:nvSpPr>
+              <p:cNvPr id="29" name="矩形 28"/>
+              <p:cNvSpPr/>
+              <p:nvPr/>
+            </p:nvSpPr>
+            <p:spPr>
+              <a:xfrm>
+                <a:off x="3455719" y="2636322"/>
+                <a:ext cx="1187533" cy="558140"/>
+              </a:xfrm>
+              <a:prstGeom prst="rect">
+                <a:avLst/>
+              </a:prstGeom>
+              <a:noFill/>
+              <a:ln w="28575">
+                <a:solidFill>
+                  <a:schemeClr val="tx1"/>
+                </a:solidFill>
+              </a:ln>
+            </p:spPr>
+            <p:style>
+              <a:lnRef idx="2">
+                <a:schemeClr val="accent1">
+                  <a:shade val="50000"/>
+                </a:schemeClr>
+              </a:lnRef>
+              <a:fillRef idx="1">
+                <a:schemeClr val="accent1"/>
+              </a:fillRef>
+              <a:effectRef idx="0">
+                <a:schemeClr val="accent1"/>
+              </a:effectRef>
+              <a:fontRef idx="minor">
+                <a:schemeClr val="lt1"/>
+              </a:fontRef>
+            </p:style>
+            <p:txBody>
+              <a:bodyPr rtlCol="0" anchor="ctr"/>
+              <a:lstStyle/>
+              <a:p>
+                <a:pPr algn="ctr"/>
+                <a:endParaRPr lang="zh-CN" altLang="en-US"/>
+              </a:p>
+            </p:txBody>
+          </p:sp>
+          <p:cxnSp>
+            <p:nvCxnSpPr>
+              <p:cNvPr id="30" name="直接连接符 29"/>
+              <p:cNvCxnSpPr>
+                <a:endCxn id="29" idx="2"/>
+              </p:cNvCxnSpPr>
+              <p:nvPr/>
+            </p:nvCxnSpPr>
+            <p:spPr>
+              <a:xfrm>
+                <a:off x="4049486" y="2903517"/>
+                <a:ext cx="0" cy="290945"/>
+              </a:xfrm>
+              <a:prstGeom prst="line">
+                <a:avLst/>
+              </a:prstGeom>
+              <a:ln w="28575">
+                <a:solidFill>
+                  <a:schemeClr val="tx1"/>
+                </a:solidFill>
+              </a:ln>
+            </p:spPr>
+            <p:style>
+              <a:lnRef idx="1">
+                <a:schemeClr val="accent1"/>
+              </a:lnRef>
+              <a:fillRef idx="0">
+                <a:schemeClr val="accent1"/>
+              </a:fillRef>
+              <a:effectRef idx="0">
+                <a:schemeClr val="accent1"/>
+              </a:effectRef>
+              <a:fontRef idx="minor">
+                <a:schemeClr val="tx1"/>
+              </a:fontRef>
+            </p:style>
+          </p:cxnSp>
+          <p:sp>
+            <p:nvSpPr>
+              <p:cNvPr id="31" name="文本框 30"/>
+              <p:cNvSpPr txBox="1"/>
+              <p:nvPr/>
+            </p:nvSpPr>
+            <p:spPr>
+              <a:xfrm>
+                <a:off x="3606569" y="2864323"/>
+                <a:ext cx="292068" cy="369332"/>
+              </a:xfrm>
+              <a:prstGeom prst="rect">
+                <a:avLst/>
+              </a:prstGeom>
+              <a:noFill/>
+            </p:spPr>
+            <p:txBody>
+              <a:bodyPr wrap="none" rtlCol="0">
+                <a:spAutoFit/>
+              </a:bodyPr>
+              <a:lstStyle/>
+              <a:p>
+                <a:r>
+                  <a:rPr lang="en-US" altLang="zh-CN" dirty="0" smtClean="0"/>
+                  <a:t>L</a:t>
+                </a:r>
+                <a:endParaRPr lang="zh-CN" altLang="en-US" dirty="0"/>
+              </a:p>
+            </p:txBody>
+          </p:sp>
+          <p:sp>
+            <p:nvSpPr>
+              <p:cNvPr id="32" name="文本框 31"/>
+              <p:cNvSpPr txBox="1"/>
+              <p:nvPr/>
+            </p:nvSpPr>
+            <p:spPr>
+              <a:xfrm>
+                <a:off x="4176849" y="2864323"/>
+                <a:ext cx="508857" cy="369332"/>
+              </a:xfrm>
+              <a:prstGeom prst="rect">
+                <a:avLst/>
+              </a:prstGeom>
+              <a:noFill/>
+            </p:spPr>
+            <p:txBody>
+              <a:bodyPr wrap="square" rtlCol="0">
+                <a:spAutoFit/>
+              </a:bodyPr>
+              <a:lstStyle/>
+              <a:p>
+                <a:r>
+                  <a:rPr lang="en-US" altLang="zh-CN" dirty="0" smtClean="0"/>
+                  <a:t>R</a:t>
+                </a:r>
+                <a:endParaRPr lang="zh-CN" altLang="en-US" dirty="0"/>
+              </a:p>
+            </p:txBody>
+          </p:sp>
+        </p:grpSp>
+        <mc:AlternateContent xmlns:mc="http://schemas.openxmlformats.org/markup-compatibility/2006">
+          <mc:Choice xmlns:a14="http://schemas.microsoft.com/office/drawing/2010/main" Requires="a14">
+            <p:sp>
+              <p:nvSpPr>
+                <p:cNvPr id="33" name="文本框 32"/>
+                <p:cNvSpPr txBox="1"/>
+                <p:nvPr/>
+              </p:nvSpPr>
+              <p:spPr>
+                <a:xfrm>
+                  <a:off x="4923017" y="3637993"/>
+                  <a:ext cx="482761" cy="369332"/>
+                </a:xfrm>
+                <a:prstGeom prst="rect">
+                  <a:avLst/>
+                </a:prstGeom>
+                <a:noFill/>
+              </p:spPr>
+              <p:txBody>
+                <a:bodyPr wrap="none" rtlCol="0">
+                  <a:spAutoFit/>
+                </a:bodyPr>
+                <a:lstStyle/>
+                <a:p>
+                  <a14:m>
+                    <m:oMath xmlns:m="http://schemas.openxmlformats.org/officeDocument/2006/math">
+                      <m:sSub>
+                        <m:sSubPr>
+                          <m:ctrlPr>
+                            <a:rPr lang="en-US" altLang="zh-CN" b="0" i="1" smtClean="0">
+                              <a:latin typeface="Cambria Math" panose="02040503050406030204" pitchFamily="18" charset="0"/>
+                            </a:rPr>
+                          </m:ctrlPr>
+                        </m:sSubPr>
+                        <m:e>
+                          <m:r>
+                            <a:rPr lang="en-US" altLang="zh-CN" b="0" i="1" smtClean="0">
+                              <a:latin typeface="Cambria Math" panose="02040503050406030204" pitchFamily="18" charset="0"/>
+                            </a:rPr>
+                            <m:t>𝑎</m:t>
+                          </m:r>
+                        </m:e>
+                        <m:sub>
+                          <m:r>
+                            <a:rPr lang="en-US" altLang="zh-CN" b="0" i="1" smtClean="0">
+                              <a:latin typeface="Cambria Math" panose="02040503050406030204" pitchFamily="18" charset="0"/>
+                            </a:rPr>
+                            <m:t>3</m:t>
+                          </m:r>
+                        </m:sub>
+                      </m:sSub>
+                    </m:oMath>
+                  </a14:m>
+                  <a:r>
+                    <a:rPr lang="en-US" altLang="zh-CN" dirty="0" smtClean="0"/>
+                    <a:t> </a:t>
+                  </a:r>
+                  <a:endParaRPr lang="zh-CN" altLang="en-US" dirty="0"/>
+                </a:p>
+              </p:txBody>
+            </p:sp>
+          </mc:Choice>
+          <mc:Fallback>
+            <p:sp>
+              <p:nvSpPr>
+                <p:cNvPr id="33" name="文本框 32"/>
+                <p:cNvSpPr txBox="1">
+                  <a:spLocks noRot="1" noChangeAspect="1" noMove="1" noResize="1" noEditPoints="1" noAdjustHandles="1" noChangeArrowheads="1" noChangeShapeType="1" noTextEdit="1"/>
+                </p:cNvSpPr>
+                <p:nvPr/>
+              </p:nvSpPr>
+              <p:spPr>
+                <a:xfrm>
+                  <a:off x="4923017" y="3637993"/>
+                  <a:ext cx="482761" cy="369332"/>
+                </a:xfrm>
+                <a:prstGeom prst="rect">
+                  <a:avLst/>
+                </a:prstGeom>
+                <a:blipFill>
+                  <a:blip r:embed="rId5"/>
+                  <a:stretch>
+                    <a:fillRect/>
+                  </a:stretch>
+                </a:blipFill>
+              </p:spPr>
+              <p:txBody>
+                <a:bodyPr/>
+                <a:lstStyle/>
+                <a:p>
+                  <a:r>
+                    <a:rPr lang="zh-CN" altLang="en-US">
+                      <a:noFill/>
+                    </a:rPr>
+                    <a:t> </a:t>
+                  </a:r>
+                </a:p>
+              </p:txBody>
+            </p:sp>
+          </mc:Fallback>
+        </mc:AlternateContent>
+        <p:grpSp>
+          <p:nvGrpSpPr>
+            <p:cNvPr id="34" name="组合 33"/>
+            <p:cNvGrpSpPr/>
+            <p:nvPr/>
+          </p:nvGrpSpPr>
+          <p:grpSpPr>
+            <a:xfrm>
+              <a:off x="3365590" y="4866904"/>
+              <a:ext cx="1229987" cy="597333"/>
+              <a:chOff x="3455719" y="2636322"/>
+              <a:chExt cx="1229987" cy="597333"/>
+            </a:xfrm>
+          </p:grpSpPr>
+          <p:cxnSp>
+            <p:nvCxnSpPr>
+              <p:cNvPr id="35" name="直接连接符 34"/>
+              <p:cNvCxnSpPr/>
+              <p:nvPr/>
+            </p:nvCxnSpPr>
+            <p:spPr>
+              <a:xfrm>
+                <a:off x="3455719" y="2903517"/>
+                <a:ext cx="1187533" cy="0"/>
+              </a:xfrm>
+              <a:prstGeom prst="line">
+                <a:avLst/>
+              </a:prstGeom>
+              <a:ln w="28575">
+                <a:solidFill>
+                  <a:schemeClr val="tx1"/>
+                </a:solidFill>
+              </a:ln>
+            </p:spPr>
+            <p:style>
+              <a:lnRef idx="1">
+                <a:schemeClr val="accent1"/>
+              </a:lnRef>
+              <a:fillRef idx="0">
+                <a:schemeClr val="accent1"/>
+              </a:fillRef>
+              <a:effectRef idx="0">
+                <a:schemeClr val="accent1"/>
+              </a:effectRef>
+              <a:fontRef idx="minor">
+                <a:schemeClr val="tx1"/>
+              </a:fontRef>
+            </p:style>
+          </p:cxnSp>
+          <p:sp>
+            <p:nvSpPr>
+              <p:cNvPr id="36" name="矩形 35"/>
+              <p:cNvSpPr/>
+              <p:nvPr/>
+            </p:nvSpPr>
+            <p:spPr>
+              <a:xfrm>
+                <a:off x="3455719" y="2636322"/>
+                <a:ext cx="1187533" cy="558140"/>
+              </a:xfrm>
+              <a:prstGeom prst="rect">
+                <a:avLst/>
+              </a:prstGeom>
+              <a:noFill/>
+              <a:ln w="28575">
+                <a:solidFill>
+                  <a:schemeClr val="tx1"/>
+                </a:solidFill>
+              </a:ln>
+            </p:spPr>
+            <p:style>
+              <a:lnRef idx="2">
+                <a:schemeClr val="accent1">
+                  <a:shade val="50000"/>
+                </a:schemeClr>
+              </a:lnRef>
+              <a:fillRef idx="1">
+                <a:schemeClr val="accent1"/>
+              </a:fillRef>
+              <a:effectRef idx="0">
+                <a:schemeClr val="accent1"/>
+              </a:effectRef>
+              <a:fontRef idx="minor">
+                <a:schemeClr val="lt1"/>
+              </a:fontRef>
+            </p:style>
+            <p:txBody>
+              <a:bodyPr rtlCol="0" anchor="ctr"/>
+              <a:lstStyle/>
+              <a:p>
+                <a:pPr algn="ctr"/>
+                <a:endParaRPr lang="zh-CN" altLang="en-US"/>
+              </a:p>
+            </p:txBody>
+          </p:sp>
+          <p:cxnSp>
+            <p:nvCxnSpPr>
+              <p:cNvPr id="37" name="直接连接符 36"/>
+              <p:cNvCxnSpPr>
+                <a:endCxn id="36" idx="2"/>
+              </p:cNvCxnSpPr>
+              <p:nvPr/>
+            </p:nvCxnSpPr>
+            <p:spPr>
+              <a:xfrm>
+                <a:off x="4049486" y="2903517"/>
+                <a:ext cx="0" cy="290945"/>
+              </a:xfrm>
+              <a:prstGeom prst="line">
+                <a:avLst/>
+              </a:prstGeom>
+              <a:ln w="28575">
+                <a:solidFill>
+                  <a:schemeClr val="tx1"/>
+                </a:solidFill>
+              </a:ln>
+            </p:spPr>
+            <p:style>
+              <a:lnRef idx="1">
+                <a:schemeClr val="accent1"/>
+              </a:lnRef>
+              <a:fillRef idx="0">
+                <a:schemeClr val="accent1"/>
+              </a:fillRef>
+              <a:effectRef idx="0">
+                <a:schemeClr val="accent1"/>
+              </a:effectRef>
+              <a:fontRef idx="minor">
+                <a:schemeClr val="tx1"/>
+              </a:fontRef>
+            </p:style>
+          </p:cxnSp>
+          <p:sp>
+            <p:nvSpPr>
+              <p:cNvPr id="38" name="文本框 37"/>
+              <p:cNvSpPr txBox="1"/>
+              <p:nvPr/>
+            </p:nvSpPr>
+            <p:spPr>
+              <a:xfrm>
+                <a:off x="3606569" y="2864323"/>
+                <a:ext cx="292068" cy="369332"/>
+              </a:xfrm>
+              <a:prstGeom prst="rect">
+                <a:avLst/>
+              </a:prstGeom>
+              <a:noFill/>
+            </p:spPr>
+            <p:txBody>
+              <a:bodyPr wrap="none" rtlCol="0">
+                <a:spAutoFit/>
+              </a:bodyPr>
+              <a:lstStyle/>
+              <a:p>
+                <a:r>
+                  <a:rPr lang="en-US" altLang="zh-CN" dirty="0" smtClean="0"/>
+                  <a:t>L</a:t>
+                </a:r>
+                <a:endParaRPr lang="zh-CN" altLang="en-US" dirty="0"/>
+              </a:p>
+            </p:txBody>
+          </p:sp>
+          <p:sp>
+            <p:nvSpPr>
+              <p:cNvPr id="39" name="文本框 38"/>
+              <p:cNvSpPr txBox="1"/>
+              <p:nvPr/>
+            </p:nvSpPr>
+            <p:spPr>
+              <a:xfrm>
+                <a:off x="4176849" y="2864323"/>
+                <a:ext cx="508857" cy="369332"/>
+              </a:xfrm>
+              <a:prstGeom prst="rect">
+                <a:avLst/>
+              </a:prstGeom>
+              <a:noFill/>
+            </p:spPr>
+            <p:txBody>
+              <a:bodyPr wrap="square" rtlCol="0">
+                <a:spAutoFit/>
+              </a:bodyPr>
+              <a:lstStyle/>
+              <a:p>
+                <a:r>
+                  <a:rPr lang="en-US" altLang="zh-CN" dirty="0" smtClean="0"/>
+                  <a:t>R</a:t>
+                </a:r>
+                <a:endParaRPr lang="zh-CN" altLang="en-US" dirty="0"/>
+              </a:p>
+            </p:txBody>
+          </p:sp>
+        </p:grpSp>
+        <mc:AlternateContent xmlns:mc="http://schemas.openxmlformats.org/markup-compatibility/2006">
+          <mc:Choice xmlns:a14="http://schemas.microsoft.com/office/drawing/2010/main" Requires="a14">
+            <p:sp>
+              <p:nvSpPr>
+                <p:cNvPr id="40" name="文本框 39"/>
+                <p:cNvSpPr txBox="1"/>
+                <p:nvPr/>
+              </p:nvSpPr>
+              <p:spPr>
+                <a:xfrm>
+                  <a:off x="3784320" y="4796239"/>
+                  <a:ext cx="482761" cy="369332"/>
+                </a:xfrm>
+                <a:prstGeom prst="rect">
+                  <a:avLst/>
+                </a:prstGeom>
+                <a:noFill/>
+              </p:spPr>
+              <p:txBody>
+                <a:bodyPr wrap="none" rtlCol="0">
+                  <a:spAutoFit/>
+                </a:bodyPr>
+                <a:lstStyle/>
+                <a:p>
+                  <a14:m>
+                    <m:oMath xmlns:m="http://schemas.openxmlformats.org/officeDocument/2006/math">
+                      <m:sSub>
+                        <m:sSubPr>
+                          <m:ctrlPr>
+                            <a:rPr lang="en-US" altLang="zh-CN" b="0" i="1" smtClean="0">
+                              <a:latin typeface="Cambria Math" panose="02040503050406030204" pitchFamily="18" charset="0"/>
+                            </a:rPr>
+                          </m:ctrlPr>
+                        </m:sSubPr>
+                        <m:e>
+                          <m:r>
+                            <a:rPr lang="en-US" altLang="zh-CN" b="0" i="1" smtClean="0">
+                              <a:latin typeface="Cambria Math" panose="02040503050406030204" pitchFamily="18" charset="0"/>
+                            </a:rPr>
+                            <m:t>𝑎</m:t>
+                          </m:r>
+                        </m:e>
+                        <m:sub>
+                          <m:r>
+                            <a:rPr lang="en-US" altLang="zh-CN" b="0" i="1" smtClean="0">
+                              <a:latin typeface="Cambria Math" panose="02040503050406030204" pitchFamily="18" charset="0"/>
+                            </a:rPr>
+                            <m:t>5</m:t>
+                          </m:r>
+                        </m:sub>
+                      </m:sSub>
+                    </m:oMath>
+                  </a14:m>
+                  <a:r>
+                    <a:rPr lang="en-US" altLang="zh-CN" dirty="0" smtClean="0"/>
+                    <a:t> </a:t>
+                  </a:r>
+                  <a:endParaRPr lang="zh-CN" altLang="en-US" dirty="0"/>
+                </a:p>
+              </p:txBody>
+            </p:sp>
+          </mc:Choice>
+          <mc:Fallback>
+            <p:sp>
+              <p:nvSpPr>
+                <p:cNvPr id="40" name="文本框 39"/>
+                <p:cNvSpPr txBox="1">
+                  <a:spLocks noRot="1" noChangeAspect="1" noMove="1" noResize="1" noEditPoints="1" noAdjustHandles="1" noChangeArrowheads="1" noChangeShapeType="1" noTextEdit="1"/>
+                </p:cNvSpPr>
+                <p:nvPr/>
+              </p:nvSpPr>
+              <p:spPr>
+                <a:xfrm>
+                  <a:off x="3784320" y="4796239"/>
+                  <a:ext cx="482761" cy="369332"/>
+                </a:xfrm>
+                <a:prstGeom prst="rect">
+                  <a:avLst/>
+                </a:prstGeom>
+                <a:blipFill>
+                  <a:blip r:embed="rId6"/>
+                  <a:stretch>
+                    <a:fillRect/>
+                  </a:stretch>
+                </a:blipFill>
+              </p:spPr>
+              <p:txBody>
+                <a:bodyPr/>
+                <a:lstStyle/>
+                <a:p>
+                  <a:r>
+                    <a:rPr lang="zh-CN" altLang="en-US">
+                      <a:noFill/>
+                    </a:rPr>
+                    <a:t> </a:t>
+                  </a:r>
+                </a:p>
+              </p:txBody>
+            </p:sp>
+          </mc:Fallback>
+        </mc:AlternateContent>
+        <p:cxnSp>
+          <p:nvCxnSpPr>
+            <p:cNvPr id="42" name="直接箭头连接符 41"/>
+            <p:cNvCxnSpPr/>
+            <p:nvPr/>
+          </p:nvCxnSpPr>
+          <p:spPr>
+            <a:xfrm flipH="1">
+              <a:off x="3238229" y="3206338"/>
+              <a:ext cx="278211" cy="505787"/>
+            </a:xfrm>
+            <a:prstGeom prst="straightConnector1">
+              <a:avLst/>
+            </a:prstGeom>
+            <a:ln w="57150">
+              <a:solidFill>
+                <a:schemeClr val="tx1"/>
+              </a:solidFill>
+              <a:tailEnd type="triangle"/>
+            </a:ln>
+          </p:spPr>
+          <p:style>
+            <a:lnRef idx="1">
+              <a:schemeClr val="accent1"/>
+            </a:lnRef>
+            <a:fillRef idx="0">
+              <a:schemeClr val="accent1"/>
+            </a:fillRef>
+            <a:effectRef idx="0">
+              <a:schemeClr val="accent1"/>
+            </a:effectRef>
+            <a:fontRef idx="minor">
+              <a:schemeClr val="tx1"/>
+            </a:fontRef>
+          </p:style>
+        </p:cxnSp>
+        <p:cxnSp>
+          <p:nvCxnSpPr>
+            <p:cNvPr id="47" name="直接箭头连接符 46"/>
+            <p:cNvCxnSpPr/>
+            <p:nvPr/>
+          </p:nvCxnSpPr>
+          <p:spPr>
+            <a:xfrm flipH="1">
+              <a:off x="2427375" y="4261262"/>
+              <a:ext cx="325484" cy="627023"/>
+            </a:xfrm>
+            <a:prstGeom prst="straightConnector1">
+              <a:avLst/>
+            </a:prstGeom>
+            <a:ln w="57150">
+              <a:solidFill>
+                <a:schemeClr val="tx1"/>
+              </a:solidFill>
+              <a:tailEnd type="triangle"/>
+            </a:ln>
+          </p:spPr>
+          <p:style>
+            <a:lnRef idx="1">
+              <a:schemeClr val="accent1"/>
+            </a:lnRef>
+            <a:fillRef idx="0">
+              <a:schemeClr val="accent1"/>
+            </a:fillRef>
+            <a:effectRef idx="0">
+              <a:schemeClr val="accent1"/>
+            </a:effectRef>
+            <a:fontRef idx="minor">
+              <a:schemeClr val="tx1"/>
+            </a:fontRef>
+          </p:style>
+        </p:cxnSp>
+        <p:cxnSp>
+          <p:nvCxnSpPr>
+            <p:cNvPr id="50" name="直接箭头连接符 49"/>
+            <p:cNvCxnSpPr/>
+            <p:nvPr/>
+          </p:nvCxnSpPr>
+          <p:spPr>
+            <a:xfrm>
+              <a:off x="4574548" y="3194462"/>
+              <a:ext cx="523505" cy="534977"/>
+            </a:xfrm>
+            <a:prstGeom prst="straightConnector1">
+              <a:avLst/>
+            </a:prstGeom>
+            <a:ln w="57150">
+              <a:solidFill>
+                <a:schemeClr val="tx1"/>
+              </a:solidFill>
+              <a:tailEnd type="triangle"/>
+            </a:ln>
+          </p:spPr>
+          <p:style>
+            <a:lnRef idx="1">
+              <a:schemeClr val="accent1"/>
+            </a:lnRef>
+            <a:fillRef idx="0">
+              <a:schemeClr val="accent1"/>
+            </a:fillRef>
+            <a:effectRef idx="0">
+              <a:schemeClr val="accent1"/>
+            </a:effectRef>
+            <a:fontRef idx="minor">
+              <a:schemeClr val="tx1"/>
+            </a:fontRef>
+          </p:style>
+        </p:cxnSp>
+        <p:cxnSp>
+          <p:nvCxnSpPr>
+            <p:cNvPr id="53" name="直接箭头连接符 52"/>
+            <p:cNvCxnSpPr/>
+            <p:nvPr/>
+          </p:nvCxnSpPr>
+          <p:spPr>
+            <a:xfrm>
+              <a:off x="3741866" y="4268810"/>
+              <a:ext cx="217490" cy="627727"/>
+            </a:xfrm>
+            <a:prstGeom prst="straightConnector1">
+              <a:avLst/>
+            </a:prstGeom>
+            <a:ln w="57150">
+              <a:solidFill>
+                <a:schemeClr val="tx1"/>
+              </a:solidFill>
+              <a:tailEnd type="triangle"/>
+            </a:ln>
+          </p:spPr>
+          <p:style>
+            <a:lnRef idx="1">
+              <a:schemeClr val="accent1"/>
+            </a:lnRef>
+            <a:fillRef idx="0">
+              <a:schemeClr val="accent1"/>
+            </a:fillRef>
+            <a:effectRef idx="0">
+              <a:schemeClr val="accent1"/>
+            </a:effectRef>
+            <a:fontRef idx="minor">
+              <a:schemeClr val="tx1"/>
+            </a:fontRef>
+          </p:style>
+        </p:cxnSp>
+      </p:grpSp>
+      <p:sp>
+        <p:nvSpPr>
+          <p:cNvPr id="57" name="文本框 56"/>
+          <p:cNvSpPr txBox="1"/>
+          <p:nvPr/>
+        </p:nvSpPr>
+        <p:spPr>
+          <a:xfrm>
+            <a:off x="4680485" y="4417796"/>
+            <a:ext cx="2822332" cy="861774"/>
+          </a:xfrm>
+          <a:prstGeom prst="rect">
+            <a:avLst/>
+          </a:prstGeom>
+          <a:noFill/>
+        </p:spPr>
+        <p:txBody>
+          <a:bodyPr wrap="square" rtlCol="0">
+            <a:spAutoFit/>
+          </a:bodyPr>
+          <a:lstStyle/>
+          <a:p>
+            <a:r>
+              <a:rPr lang="en-US" altLang="zh-CN" b="1" dirty="0" smtClean="0"/>
+              <a:t>Binary Tree: </a:t>
+            </a:r>
+            <a:endParaRPr lang="en-US" altLang="zh-CN" b="1" dirty="0"/>
+          </a:p>
+          <a:p>
+            <a:r>
+              <a:rPr lang="en-US" altLang="zh-CN" sz="1400" b="1" dirty="0" smtClean="0"/>
+              <a:t> </a:t>
+            </a:r>
+            <a:r>
+              <a:rPr lang="en-US" altLang="zh-CN" sz="1400" b="1" dirty="0" smtClean="0"/>
+              <a:t> </a:t>
+            </a:r>
+            <a:r>
+              <a:rPr lang="en-US" altLang="zh-CN" sz="1400" dirty="0" smtClean="0"/>
+              <a:t>Simplest </a:t>
+            </a:r>
+            <a:r>
+              <a:rPr lang="en-US" altLang="zh-CN" sz="1400" dirty="0"/>
+              <a:t>N</a:t>
+            </a:r>
+            <a:r>
+              <a:rPr lang="en-US" altLang="zh-CN" sz="1400" dirty="0" smtClean="0"/>
+              <a:t>on-linear </a:t>
+            </a:r>
+            <a:r>
+              <a:rPr lang="en-US" altLang="zh-CN" sz="1400" dirty="0" smtClean="0"/>
+              <a:t>Structure</a:t>
+            </a:r>
+          </a:p>
+          <a:p>
+            <a:r>
+              <a:rPr lang="en-US" altLang="zh-CN" b="1" dirty="0" smtClean="0"/>
+              <a:t>Operations</a:t>
+            </a:r>
+            <a:r>
+              <a:rPr lang="en-US" altLang="zh-CN" b="1" dirty="0" smtClean="0"/>
+              <a:t>:</a:t>
+            </a:r>
+          </a:p>
+        </p:txBody>
+      </p:sp>
+      <p:graphicFrame>
+        <p:nvGraphicFramePr>
+          <p:cNvPr id="58" name="表格 57"/>
+          <p:cNvGraphicFramePr>
+            <a:graphicFrameLocks noGrp="1"/>
+          </p:cNvGraphicFramePr>
+          <p:nvPr>
+            <p:extLst>
+              <p:ext uri="{D42A27DB-BD31-4B8C-83A1-F6EECF244321}">
+                <p14:modId xmlns:p14="http://schemas.microsoft.com/office/powerpoint/2010/main" val="2181927729"/>
+              </p:ext>
+            </p:extLst>
+          </p:nvPr>
+        </p:nvGraphicFramePr>
+        <p:xfrm>
+          <a:off x="4873789" y="5279570"/>
+          <a:ext cx="2088752" cy="898215"/>
+        </p:xfrm>
+        <a:graphic>
+          <a:graphicData uri="http://schemas.openxmlformats.org/drawingml/2006/table">
+            <a:tbl>
+              <a:tblPr firstRow="1" bandRow="1">
+                <a:tableStyleId>{5C22544A-7EE6-4342-B048-85BDC9FD1C3A}</a:tableStyleId>
+              </a:tblPr>
+              <a:tblGrid>
+                <a:gridCol w="1044376">
+                  <a:extLst>
+                    <a:ext uri="{9D8B030D-6E8A-4147-A177-3AD203B41FA5}">
+                      <a16:colId xmlns:a16="http://schemas.microsoft.com/office/drawing/2014/main" val="3485015475"/>
+                    </a:ext>
+                  </a:extLst>
+                </a:gridCol>
+                <a:gridCol w="1044376">
+                  <a:extLst>
+                    <a:ext uri="{9D8B030D-6E8A-4147-A177-3AD203B41FA5}">
+                      <a16:colId xmlns:a16="http://schemas.microsoft.com/office/drawing/2014/main" val="3116789520"/>
+                    </a:ext>
+                  </a:extLst>
+                </a:gridCol>
+              </a:tblGrid>
+              <a:tr h="299405">
+                <a:tc>
+                  <a:txBody>
+                    <a:bodyPr/>
+                    <a:lstStyle/>
+                    <a:p>
+                      <a:pPr marL="0" marR="0" lvl="1" indent="0" algn="l" defTabSz="914400" rtl="0" eaLnBrk="1" fontAlgn="auto" latinLnBrk="0" hangingPunct="1">
+                        <a:lnSpc>
+                          <a:spcPct val="100000"/>
+                        </a:lnSpc>
+                        <a:spcBef>
+                          <a:spcPts val="0"/>
+                        </a:spcBef>
+                        <a:spcAft>
+                          <a:spcPts val="0"/>
+                        </a:spcAft>
+                        <a:buClrTx/>
+                        <a:buSzTx/>
+                        <a:buFontTx/>
+                        <a:buNone/>
+                        <a:tabLst/>
+                        <a:defRPr/>
+                      </a:pPr>
+                      <a:r>
+                        <a:rPr lang="en-US" altLang="zh-CN" sz="1400" b="0" dirty="0" smtClean="0">
+                          <a:solidFill>
+                            <a:schemeClr val="tx1"/>
+                          </a:solidFill>
+                        </a:rPr>
+                        <a:t>insert( )</a:t>
+                      </a:r>
+                    </a:p>
+                  </a:txBody>
+                  <a:tcPr marL="0" marR="0" marT="0" marB="0">
+                    <a:lnL w="12700" cmpd="sng">
+                      <a:noFill/>
+                    </a:lnL>
+                    <a:lnR w="12700" cmpd="sng">
+                      <a:noFill/>
+                    </a:lnR>
+                    <a:lnT w="12700" cmpd="sng">
+                      <a:noFill/>
+                    </a:lnT>
+                    <a:lnB w="38100" cmpd="sng">
+                      <a:noFill/>
+                    </a:lnB>
+                    <a:lnTlToBr w="12700" cmpd="sng">
+                      <a:noFill/>
+                      <a:prstDash val="solid"/>
+                    </a:lnTlToBr>
+                    <a:lnBlToTr w="12700" cmpd="sng">
+                      <a:noFill/>
+                      <a:prstDash val="solid"/>
+                    </a:lnBlToTr>
+                    <a:noFill/>
+                  </a:tcPr>
+                </a:tc>
+                <a:tc>
+                  <a:txBody>
+                    <a:bodyPr/>
+                    <a:lstStyle/>
+                    <a:p>
+                      <a:pPr marL="0" marR="0" lvl="1" indent="0" algn="l" defTabSz="914400" rtl="0" eaLnBrk="1" fontAlgn="auto" latinLnBrk="0" hangingPunct="1">
+                        <a:lnSpc>
+                          <a:spcPct val="100000"/>
+                        </a:lnSpc>
+                        <a:spcBef>
+                          <a:spcPts val="0"/>
+                        </a:spcBef>
+                        <a:spcAft>
+                          <a:spcPts val="0"/>
+                        </a:spcAft>
+                        <a:buClrTx/>
+                        <a:buSzTx/>
+                        <a:buFontTx/>
+                        <a:buNone/>
+                        <a:tabLst/>
+                        <a:defRPr/>
+                      </a:pPr>
+                      <a:r>
+                        <a:rPr lang="en-US" altLang="zh-CN" sz="1400" b="0" dirty="0" smtClean="0">
+                          <a:solidFill>
+                            <a:schemeClr val="tx1"/>
+                          </a:solidFill>
+                        </a:rPr>
+                        <a:t>DFS( )</a:t>
+                      </a:r>
+                    </a:p>
+                  </a:txBody>
+                  <a:tcPr marL="0" marR="0" marT="0" marB="0">
+                    <a:lnL w="12700" cmpd="sng">
+                      <a:noFill/>
+                    </a:lnL>
+                    <a:lnR w="12700" cmpd="sng">
+                      <a:noFill/>
+                    </a:lnR>
+                    <a:lnT w="12700" cmpd="sng">
+                      <a:noFill/>
+                    </a:lnT>
+                    <a:lnB w="38100" cmpd="sng">
+                      <a:noFill/>
+                    </a:lnB>
+                    <a:lnTlToBr w="12700" cmpd="sng">
+                      <a:noFill/>
+                      <a:prstDash val="solid"/>
+                    </a:lnTlToBr>
+                    <a:lnBlToTr w="12700" cmpd="sng">
+                      <a:noFill/>
+                      <a:prstDash val="solid"/>
+                    </a:lnBlToTr>
+                    <a:noFill/>
+                  </a:tcPr>
+                </a:tc>
+                <a:extLst>
+                  <a:ext uri="{0D108BD9-81ED-4DB2-BD59-A6C34878D82A}">
+                    <a16:rowId xmlns:a16="http://schemas.microsoft.com/office/drawing/2014/main" val="3069321260"/>
+                  </a:ext>
+                </a:extLst>
+              </a:tr>
+              <a:tr h="299405">
+                <a:tc>
+                  <a:txBody>
+                    <a:bodyPr/>
+                    <a:lstStyle/>
+                    <a:p>
+                      <a:pPr marL="0" marR="0" lvl="1" indent="0" algn="l" defTabSz="914400" rtl="0" eaLnBrk="1" fontAlgn="auto" latinLnBrk="0" hangingPunct="1">
+                        <a:lnSpc>
+                          <a:spcPct val="100000"/>
+                        </a:lnSpc>
+                        <a:spcBef>
+                          <a:spcPts val="0"/>
+                        </a:spcBef>
+                        <a:spcAft>
+                          <a:spcPts val="0"/>
+                        </a:spcAft>
+                        <a:buClrTx/>
+                        <a:buSzTx/>
+                        <a:buFontTx/>
+                        <a:buNone/>
+                        <a:tabLst/>
+                        <a:defRPr/>
+                      </a:pPr>
+                      <a:r>
+                        <a:rPr lang="en-US" altLang="zh-CN" sz="1400" b="0" dirty="0" smtClean="0"/>
+                        <a:t>search( )</a:t>
+                      </a:r>
+                    </a:p>
+                  </a:txBody>
+                  <a:tcPr marL="0" marR="0" marT="0" marB="0">
+                    <a:lnL w="12700" cmpd="sng">
+                      <a:noFill/>
+                    </a:lnL>
+                    <a:lnR w="12700" cmpd="sng">
+                      <a:noFill/>
+                    </a:lnR>
+                    <a:lnT w="38100" cmpd="sng">
+                      <a:noFill/>
+                    </a:lnT>
+                    <a:lnB w="12700" cmpd="sng">
+                      <a:noFill/>
+                    </a:lnB>
+                    <a:lnTlToBr w="12700" cmpd="sng">
+                      <a:noFill/>
+                      <a:prstDash val="solid"/>
+                    </a:lnTlToBr>
+                    <a:lnBlToTr w="12700" cmpd="sng">
+                      <a:noFill/>
+                      <a:prstDash val="solid"/>
+                    </a:lnBlToTr>
+                    <a:noFill/>
+                  </a:tcPr>
+                </a:tc>
+                <a:tc>
+                  <a:txBody>
+                    <a:bodyPr/>
+                    <a:lstStyle/>
+                    <a:p>
+                      <a:r>
+                        <a:rPr lang="en-US" altLang="zh-CN" sz="1400" b="0" dirty="0" smtClean="0"/>
+                        <a:t>BFS( )</a:t>
+                      </a:r>
+                      <a:endParaRPr lang="zh-CN" altLang="en-US" sz="1400" b="0" dirty="0"/>
+                    </a:p>
+                  </a:txBody>
+                  <a:tcPr marL="0" marR="0" marT="0" marB="0">
+                    <a:lnL w="12700" cmpd="sng">
+                      <a:noFill/>
+                    </a:lnL>
+                    <a:lnR w="12700" cmpd="sng">
+                      <a:noFill/>
+                    </a:lnR>
+                    <a:lnT w="38100" cmpd="sng">
+                      <a:noFill/>
+                    </a:lnT>
+                    <a:lnB w="12700" cmpd="sng">
+                      <a:noFill/>
+                    </a:lnB>
+                    <a:lnTlToBr w="12700" cmpd="sng">
+                      <a:noFill/>
+                      <a:prstDash val="solid"/>
+                    </a:lnTlToBr>
+                    <a:lnBlToTr w="12700" cmpd="sng">
+                      <a:noFill/>
+                      <a:prstDash val="solid"/>
+                    </a:lnBlToTr>
+                    <a:noFill/>
+                  </a:tcPr>
+                </a:tc>
+                <a:extLst>
+                  <a:ext uri="{0D108BD9-81ED-4DB2-BD59-A6C34878D82A}">
+                    <a16:rowId xmlns:a16="http://schemas.microsoft.com/office/drawing/2014/main" val="105150835"/>
+                  </a:ext>
+                </a:extLst>
+              </a:tr>
+              <a:tr h="299405">
+                <a:tc>
+                  <a:txBody>
+                    <a:bodyPr/>
+                    <a:lstStyle/>
+                    <a:p>
+                      <a:pPr marL="0" marR="0" lvl="1" indent="0" algn="l" defTabSz="914400" rtl="0" eaLnBrk="1" fontAlgn="auto" latinLnBrk="0" hangingPunct="1">
+                        <a:lnSpc>
+                          <a:spcPct val="100000"/>
+                        </a:lnSpc>
+                        <a:spcBef>
+                          <a:spcPts val="0"/>
+                        </a:spcBef>
+                        <a:spcAft>
+                          <a:spcPts val="0"/>
+                        </a:spcAft>
+                        <a:buClrTx/>
+                        <a:buSzTx/>
+                        <a:buFontTx/>
+                        <a:buNone/>
+                        <a:tabLst/>
+                        <a:defRPr/>
+                      </a:pPr>
+                      <a:r>
+                        <a:rPr lang="en-US" altLang="zh-CN" sz="1400" b="0" dirty="0" smtClean="0"/>
+                        <a:t>remove( )</a:t>
+                      </a:r>
+                    </a:p>
+                  </a:txBody>
+                  <a:tcPr marL="0" marR="0" marT="0" marB="0">
+                    <a:lnL w="12700" cmpd="sng">
+                      <a:noFill/>
+                    </a:lnL>
+                    <a:lnR w="12700" cmpd="sng">
+                      <a:noFill/>
+                    </a:lnR>
+                    <a:lnT w="12700" cmpd="sng">
+                      <a:noFill/>
+                    </a:lnT>
+                    <a:lnB w="12700" cmpd="sng">
+                      <a:noFill/>
+                    </a:lnB>
+                    <a:lnTlToBr w="12700" cmpd="sng">
+                      <a:noFill/>
+                      <a:prstDash val="solid"/>
+                    </a:lnTlToBr>
+                    <a:lnBlToTr w="12700" cmpd="sng">
+                      <a:noFill/>
+                      <a:prstDash val="solid"/>
+                    </a:lnBlToTr>
+                    <a:noFill/>
+                  </a:tcPr>
+                </a:tc>
+                <a:tc>
+                  <a:txBody>
+                    <a:bodyPr/>
+                    <a:lstStyle/>
+                    <a:p>
+                      <a:endParaRPr lang="zh-CN" altLang="en-US" sz="1400" b="0" dirty="0"/>
+                    </a:p>
+                  </a:txBody>
+                  <a:tcPr marL="0" marR="0" marT="0" marB="0">
+                    <a:lnL w="12700" cmpd="sng">
+                      <a:noFill/>
+                    </a:lnL>
+                    <a:lnR w="12700" cmpd="sng">
+                      <a:noFill/>
+                    </a:lnR>
+                    <a:lnT w="12700" cmpd="sng">
+                      <a:noFill/>
+                    </a:lnT>
+                    <a:lnB w="12700" cmpd="sng">
+                      <a:noFill/>
+                    </a:lnB>
+                    <a:lnTlToBr w="12700" cmpd="sng">
+                      <a:noFill/>
+                      <a:prstDash val="solid"/>
+                    </a:lnTlToBr>
+                    <a:lnBlToTr w="12700" cmpd="sng">
+                      <a:noFill/>
+                      <a:prstDash val="solid"/>
+                    </a:lnBlToTr>
+                    <a:noFill/>
+                  </a:tcPr>
+                </a:tc>
+                <a:extLst>
+                  <a:ext uri="{0D108BD9-81ED-4DB2-BD59-A6C34878D82A}">
+                    <a16:rowId xmlns:a16="http://schemas.microsoft.com/office/drawing/2014/main" val="2508197780"/>
+                  </a:ext>
+                </a:extLst>
+              </a:tr>
+            </a:tbl>
+          </a:graphicData>
+        </a:graphic>
+      </p:graphicFrame>
     </p:spTree>
     <p:extLst>
       <p:ext uri="{BB962C8B-B14F-4D97-AF65-F5344CB8AC3E}">
